--- a/Week 1 - 2/2-3 Math & Keras.pptx
+++ b/Week 1 - 2/2-3 Math & Keras.pptx
@@ -305,8 +305,11 @@
     </a:lvl9pPr>
   </p:defaultTextStyle>
   <p:extLst>
+    <p:ext uri="{EFAFB233-063F-42B5-8137-9DF3F51BA10A}">
+      <p15:sldGuideLst xmlns:p15="http://schemas.microsoft.com/office/powerpoint/2012/main"/>
+    </p:ext>
     <p:ext uri="http://customooxmlschemas.google.com/">
-      <go:slidesCustomData xmlns:go="http://customooxmlschemas.google.com/" xmlns:ahyp="http://schemas.microsoft.com/office/drawing/2018/hyperlinkcolor" xmlns:p15="http://schemas.microsoft.com/office/powerpoint/2012/main" xmlns:p14="http://schemas.microsoft.com/office/powerpoint/2010/main" xmlns:com="http://schemas.openxmlformats.org/drawingml/2006/compatibility" xmlns:pvml="urn:schemas-microsoft-com:office:powerpoint" xmlns:v="urn:schemas-microsoft-com:vml" xmlns:o="urn:schemas-microsoft-com:office:office" xmlns:dgm="http://schemas.openxmlformats.org/drawingml/2006/diagram" xmlns:c="http://schemas.openxmlformats.org/drawingml/2006/chart" xmlns:mv="urn:schemas-microsoft-com:mac:vml" xmlns:mc="http://schemas.openxmlformats.org/markup-compatibility/2006" xmlns="" r:id="rId58" roundtripDataSignature="AMtx7mh0bDqVebjuWON9UvlN1d8YlytOHQ=="/>
+      <go:slidesCustomData xmlns="" xmlns:mc="http://schemas.openxmlformats.org/markup-compatibility/2006" xmlns:mv="urn:schemas-microsoft-com:mac:vml" xmlns:c="http://schemas.openxmlformats.org/drawingml/2006/chart" xmlns:dgm="http://schemas.openxmlformats.org/drawingml/2006/diagram" xmlns:o="urn:schemas-microsoft-com:office:office" xmlns:v="urn:schemas-microsoft-com:vml" xmlns:pvml="urn:schemas-microsoft-com:office:powerpoint" xmlns:com="http://schemas.openxmlformats.org/drawingml/2006/compatibility" xmlns:p14="http://schemas.microsoft.com/office/powerpoint/2010/main" xmlns:p15="http://schemas.microsoft.com/office/powerpoint/2012/main" xmlns:ahyp="http://schemas.microsoft.com/office/drawing/2018/hyperlinkcolor" xmlns:go="http://customooxmlschemas.google.com/" r:id="rId58" roundtripDataSignature="AMtx7mh0bDqVebjuWON9UvlN1d8YlytOHQ=="/>
     </p:ext>
   </p:extLst>
 </p:presentation>
@@ -22557,7 +22560,7 @@
               <a:buNone/>
             </a:pPr>
             <a:r>
-              <a:rPr lang="en-US" sz="2800" b="0" i="0" u="none" strike="noStrike" cap="none">
+              <a:rPr lang="en-US" sz="2800" b="0" i="0" u="none" strike="noStrike" cap="none" dirty="0">
                 <a:solidFill>
                   <a:schemeClr val="dk1"/>
                 </a:solidFill>
@@ -22566,9 +22569,56 @@
                 <a:cs typeface="Economica"/>
                 <a:sym typeface="Economica"/>
               </a:rPr>
-              <a:t>Week 2: Mathematical Building Blocks &amp; Working with Keras API</a:t>
+              <a:t>Mathematical Building Blocks &amp; </a:t>
             </a:r>
-            <a:endParaRPr sz="1400" b="0" i="0" u="none" strike="noStrike" cap="none">
+            <a:br>
+              <a:rPr lang="en-US" sz="2800" b="0" i="0" u="none" strike="noStrike" cap="none" dirty="0">
+                <a:solidFill>
+                  <a:schemeClr val="dk1"/>
+                </a:solidFill>
+                <a:latin typeface="Economica"/>
+                <a:ea typeface="Economica"/>
+                <a:cs typeface="Economica"/>
+                <a:sym typeface="Economica"/>
+              </a:rPr>
+            </a:br>
+            <a:r>
+              <a:rPr lang="en-US" sz="2800" b="0" i="0" u="none" strike="noStrike" cap="none" dirty="0">
+                <a:solidFill>
+                  <a:schemeClr val="dk1"/>
+                </a:solidFill>
+                <a:latin typeface="Economica"/>
+                <a:ea typeface="Economica"/>
+                <a:cs typeface="Economica"/>
+                <a:sym typeface="Economica"/>
+              </a:rPr>
+              <a:t>Working with </a:t>
+            </a:r>
+            <a:r>
+              <a:rPr lang="en-US" sz="2800" b="0" i="0" u="none" strike="noStrike" cap="none" dirty="0" err="1">
+                <a:solidFill>
+                  <a:schemeClr val="dk1"/>
+                </a:solidFill>
+                <a:latin typeface="Economica"/>
+                <a:ea typeface="Economica"/>
+                <a:cs typeface="Economica"/>
+                <a:sym typeface="Economica"/>
+              </a:rPr>
+              <a:t>Keras</a:t>
+            </a:r>
+            <a:r>
+              <a:rPr lang="en-US" sz="2800" b="0" i="0" u="none" strike="noStrike" cap="none" dirty="0">
+                <a:solidFill>
+                  <a:schemeClr val="dk1"/>
+                </a:solidFill>
+                <a:latin typeface="Economica"/>
+                <a:ea typeface="Economica"/>
+                <a:cs typeface="Economica"/>
+                <a:sym typeface="Economica"/>
+              </a:rPr>
+              <a:t> API</a:t>
+            </a:r>
+            <a:endParaRPr sz="1400" b="0" i="0" u="none" strike="noStrike" cap="none" dirty="0">
               <a:solidFill>
                 <a:srgbClr val="000000"/>
               </a:solidFill>
@@ -27186,7 +27236,7 @@
                 <a:cs typeface="Economica"/>
                 <a:sym typeface="Economica"/>
               </a:rPr>
-              <a:t>Today’s Agenda</a:t>
+              <a:t>Today’s / Tuesday’s Agenda</a:t>
             </a:r>
             <a:endParaRPr sz="1400" b="0" i="0" u="none" strike="noStrike" cap="none" dirty="0">
               <a:solidFill>
